--- a/Taxi Analyzation/Taxi Analyzation Presentation.pptx
+++ b/Taxi Analyzation/Taxi Analyzation Presentation.pptx
@@ -3216,9 +3216,16 @@
             <p:ph idx="1"/>
           </p:nvPr>
         </p:nvSpPr>
-        <p:spPr/>
-        <p:txBody>
-          <a:bodyPr/>
+        <p:spPr>
+          <a:xfrm>
+            <a:off x="457200" y="1600200"/>
+            <a:ext cx="8229600" cy="4967514"/>
+          </a:xfrm>
+        </p:spPr>
+        <p:txBody>
+          <a:bodyPr>
+            <a:normAutofit fontScale="92500" lnSpcReduction="20000"/>
+          </a:bodyPr>
           <a:lstStyle/>
           <a:p>
             <a:r>
@@ -3271,8 +3278,38 @@
             <a:pPr lvl="1"/>
             <a:r>
               <a:rPr lang="en-US" dirty="0" smtClean="0"/>
-              <a:t>Helpful for clients to find the quickest taxi</a:t>
-            </a:r>
+              <a:t>Helpful for clients to find the quickest </a:t>
+            </a:r>
+            <a:r>
+              <a:rPr lang="en-US" dirty="0" smtClean="0"/>
+              <a:t>taxi</a:t>
+            </a:r>
+          </a:p>
+          <a:p>
+            <a:r>
+              <a:rPr lang="en-US" dirty="0" smtClean="0"/>
+              <a:t>Is </a:t>
+            </a:r>
+            <a:r>
+              <a:rPr lang="en-US" dirty="0" err="1" smtClean="0"/>
+              <a:t>Uber</a:t>
+            </a:r>
+            <a:r>
+              <a:rPr lang="en-US" dirty="0" smtClean="0"/>
+              <a:t> surge pricing at the right times?</a:t>
+            </a:r>
+          </a:p>
+          <a:p>
+            <a:pPr lvl="1"/>
+            <a:r>
+              <a:rPr lang="en-US" dirty="0" smtClean="0"/>
+              <a:t>Their data is anonymous, but </a:t>
+            </a:r>
+            <a:r>
+              <a:rPr lang="en-US" dirty="0" smtClean="0"/>
+              <a:t>they shouldn’t be surge pricing when taxi demand is low</a:t>
+            </a:r>
+            <a:endParaRPr lang="en-US" dirty="0" smtClean="0"/>
           </a:p>
         </p:txBody>
       </p:sp>
